--- a/OriginalPrednašky/UdK 2019 P1.pptx
+++ b/OriginalPrednašky/UdK 2019 P1.pptx
@@ -122,7 +122,7 @@
   </p:defaultTextStyle>
   <p:extLst>
     <p:ext uri="{EFAFB233-063F-42B5-8137-9DF3F51BA10A}">
-      <p15:sldGuideLst xmlns="" xmlns:p15="http://schemas.microsoft.com/office/powerpoint/2012/main">
+      <p15:sldGuideLst xmlns:p15="http://schemas.microsoft.com/office/powerpoint/2012/main">
         <p15:guide id="1" orient="horz" pos="2160">
           <p15:clr>
             <a:srgbClr val="A4A3A4"/>
@@ -137,6 +137,32 @@
     </p:ext>
   </p:extLst>
 </p:presentation>
+</file>
+
+<file path=ppt/commentAuthors.xml><?xml version="1.0" encoding="utf-8"?>
+<p:cmAuthorLst xmlns:a="http://schemas.openxmlformats.org/drawingml/2006/main" xmlns:r="http://schemas.openxmlformats.org/officeDocument/2006/relationships" xmlns:p="http://schemas.openxmlformats.org/presentationml/2006/main">
+  <p:cmAuthor id="1" name="Martin Dodek" initials="MD" lastIdx="1" clrIdx="0">
+    <p:extLst>
+      <p:ext uri="{19B8F6BF-5375-455C-9EA6-DF929625EA0E}">
+        <p15:presenceInfo xmlns:p15="http://schemas.microsoft.com/office/powerpoint/2012/main" userId="Martin Dodek" providerId="None"/>
+      </p:ext>
+    </p:extLst>
+  </p:cmAuthor>
+</p:cmAuthorLst>
+</file>
+
+<file path=ppt/comments/comment1.xml><?xml version="1.0" encoding="utf-8"?>
+<p:cmLst xmlns:a="http://schemas.openxmlformats.org/drawingml/2006/main" xmlns:r="http://schemas.openxmlformats.org/officeDocument/2006/relationships" xmlns:p="http://schemas.openxmlformats.org/presentationml/2006/main">
+  <p:cm authorId="1" dt="2019-03-10T14:09:30.408" idx="1">
+    <p:pos x="2330" y="841"/>
+    <p:text>Toto je komentár</p:text>
+    <p:extLst>
+      <p:ext uri="{C676402C-5697-4E1C-873F-D02D1690AC5C}">
+        <p15:threadingInfo xmlns:p15="http://schemas.microsoft.com/office/powerpoint/2012/main" timeZoneBias="-60"/>
+      </p:ext>
+    </p:extLst>
+  </p:cm>
+</p:cmLst>
 </file>
 
 <file path=ppt/slideLayouts/slideLayout1.xml><?xml version="1.0" encoding="utf-8"?>
@@ -318,7 +344,7 @@
           <a:p>
             <a:fld id="{7853D7C2-47A8-436F-B397-D056DAC55AB4}" type="datetimeFigureOut">
               <a:rPr lang="sk-SK" smtClean="0"/>
-              <a:t>25. 2. 2019</a:t>
+              <a:t>10.3.2019</a:t>
             </a:fld>
             <a:endParaRPr lang="sk-SK"/>
           </a:p>
@@ -486,7 +512,7 @@
           <a:p>
             <a:fld id="{7853D7C2-47A8-436F-B397-D056DAC55AB4}" type="datetimeFigureOut">
               <a:rPr lang="sk-SK" smtClean="0"/>
-              <a:t>25. 2. 2019</a:t>
+              <a:t>10.3.2019</a:t>
             </a:fld>
             <a:endParaRPr lang="sk-SK"/>
           </a:p>
@@ -664,7 +690,7 @@
           <a:p>
             <a:fld id="{7853D7C2-47A8-436F-B397-D056DAC55AB4}" type="datetimeFigureOut">
               <a:rPr lang="sk-SK" smtClean="0"/>
-              <a:t>25. 2. 2019</a:t>
+              <a:t>10.3.2019</a:t>
             </a:fld>
             <a:endParaRPr lang="sk-SK"/>
           </a:p>
@@ -832,7 +858,7 @@
           <a:p>
             <a:fld id="{7853D7C2-47A8-436F-B397-D056DAC55AB4}" type="datetimeFigureOut">
               <a:rPr lang="sk-SK" smtClean="0"/>
-              <a:t>25. 2. 2019</a:t>
+              <a:t>10.3.2019</a:t>
             </a:fld>
             <a:endParaRPr lang="sk-SK"/>
           </a:p>
@@ -1077,7 +1103,7 @@
           <a:p>
             <a:fld id="{7853D7C2-47A8-436F-B397-D056DAC55AB4}" type="datetimeFigureOut">
               <a:rPr lang="sk-SK" smtClean="0"/>
-              <a:t>25. 2. 2019</a:t>
+              <a:t>10.3.2019</a:t>
             </a:fld>
             <a:endParaRPr lang="sk-SK"/>
           </a:p>
@@ -1362,7 +1388,7 @@
           <a:p>
             <a:fld id="{7853D7C2-47A8-436F-B397-D056DAC55AB4}" type="datetimeFigureOut">
               <a:rPr lang="sk-SK" smtClean="0"/>
-              <a:t>25. 2. 2019</a:t>
+              <a:t>10.3.2019</a:t>
             </a:fld>
             <a:endParaRPr lang="sk-SK"/>
           </a:p>
@@ -1781,7 +1807,7 @@
           <a:p>
             <a:fld id="{7853D7C2-47A8-436F-B397-D056DAC55AB4}" type="datetimeFigureOut">
               <a:rPr lang="sk-SK" smtClean="0"/>
-              <a:t>25. 2. 2019</a:t>
+              <a:t>10.3.2019</a:t>
             </a:fld>
             <a:endParaRPr lang="sk-SK"/>
           </a:p>
@@ -1898,7 +1924,7 @@
           <a:p>
             <a:fld id="{7853D7C2-47A8-436F-B397-D056DAC55AB4}" type="datetimeFigureOut">
               <a:rPr lang="sk-SK" smtClean="0"/>
-              <a:t>25. 2. 2019</a:t>
+              <a:t>10.3.2019</a:t>
             </a:fld>
             <a:endParaRPr lang="sk-SK"/>
           </a:p>
@@ -1993,7 +2019,7 @@
           <a:p>
             <a:fld id="{7853D7C2-47A8-436F-B397-D056DAC55AB4}" type="datetimeFigureOut">
               <a:rPr lang="sk-SK" smtClean="0"/>
-              <a:t>25. 2. 2019</a:t>
+              <a:t>10.3.2019</a:t>
             </a:fld>
             <a:endParaRPr lang="sk-SK"/>
           </a:p>
@@ -2268,7 +2294,7 @@
           <a:p>
             <a:fld id="{7853D7C2-47A8-436F-B397-D056DAC55AB4}" type="datetimeFigureOut">
               <a:rPr lang="sk-SK" smtClean="0"/>
-              <a:t>25. 2. 2019</a:t>
+              <a:t>10.3.2019</a:t>
             </a:fld>
             <a:endParaRPr lang="sk-SK"/>
           </a:p>
@@ -2520,7 +2546,7 @@
           <a:p>
             <a:fld id="{7853D7C2-47A8-436F-B397-D056DAC55AB4}" type="datetimeFigureOut">
               <a:rPr lang="sk-SK" smtClean="0"/>
-              <a:t>25. 2. 2019</a:t>
+              <a:t>10.3.2019</a:t>
             </a:fld>
             <a:endParaRPr lang="sk-SK"/>
           </a:p>
@@ -2731,7 +2757,7 @@
           <a:p>
             <a:fld id="{7853D7C2-47A8-436F-B397-D056DAC55AB4}" type="datetimeFigureOut">
               <a:rPr lang="sk-SK" smtClean="0"/>
-              <a:t>25. 2. 2019</a:t>
+              <a:t>10.3.2019</a:t>
             </a:fld>
             <a:endParaRPr lang="sk-SK"/>
           </a:p>
@@ -3503,7 +3529,7 @@
           <a:graphicData uri="http://schemas.openxmlformats.org/presentationml/2006/ole">
             <mc:AlternateContent xmlns:mc="http://schemas.openxmlformats.org/markup-compatibility/2006">
               <mc:Choice xmlns:v="urn:schemas-microsoft-com:vml" Requires="v">
-                <p:oleObj spid="_x0000_s19488" name="Rovnica" r:id="rId3" imgW="4368600" imgH="863280" progId="Equation.3">
+                <p:oleObj spid="_x0000_s19489" name="Rovnica" r:id="rId3" imgW="4368600" imgH="863280" progId="Equation.3">
                   <p:embed/>
                 </p:oleObj>
               </mc:Choice>
@@ -3694,7 +3720,7 @@
           <p:cNvPr id="10" name="Obdĺžnik 9">
             <a:extLst>
               <a:ext uri="{FF2B5EF4-FFF2-40B4-BE49-F238E27FC236}">
-                <a16:creationId xmlns="" xmlns:a16="http://schemas.microsoft.com/office/drawing/2014/main" id="{0DEF0E72-288A-40BD-AC83-2F3BADE862F3}"/>
+                <a16:creationId xmlns:a16="http://schemas.microsoft.com/office/drawing/2014/main" xmlns="" id="{0DEF0E72-288A-40BD-AC83-2F3BADE862F3}"/>
               </a:ext>
             </a:extLst>
           </p:cNvPr>
@@ -3744,7 +3770,7 @@
           <p:cNvPr id="15" name="Obdĺžnik 14">
             <a:extLst>
               <a:ext uri="{FF2B5EF4-FFF2-40B4-BE49-F238E27FC236}">
-                <a16:creationId xmlns="" xmlns:a16="http://schemas.microsoft.com/office/drawing/2014/main" id="{61A443B8-8B13-4EF3-BFC1-5F9622911073}"/>
+                <a16:creationId xmlns:a16="http://schemas.microsoft.com/office/drawing/2014/main" xmlns="" id="{61A443B8-8B13-4EF3-BFC1-5F9622911073}"/>
               </a:ext>
             </a:extLst>
           </p:cNvPr>
@@ -3987,7 +4013,7 @@
           <a:graphicData uri="http://schemas.openxmlformats.org/presentationml/2006/ole">
             <mc:AlternateContent xmlns:mc="http://schemas.openxmlformats.org/markup-compatibility/2006">
               <mc:Choice xmlns:v="urn:schemas-microsoft-com:vml" Requires="v">
-                <p:oleObj spid="_x0000_s20859" name="Rovnica" r:id="rId3" imgW="1244520" imgH="317160" progId="Equation.3">
+                <p:oleObj spid="_x0000_s20872" name="Rovnica" r:id="rId3" imgW="1244520" imgH="317160" progId="Equation.3">
                   <p:embed/>
                 </p:oleObj>
               </mc:Choice>
@@ -4080,7 +4106,7 @@
           <a:graphicData uri="http://schemas.openxmlformats.org/presentationml/2006/ole">
             <mc:AlternateContent xmlns:mc="http://schemas.openxmlformats.org/markup-compatibility/2006">
               <mc:Choice xmlns:v="urn:schemas-microsoft-com:vml" Requires="v">
-                <p:oleObj spid="_x0000_s20860" name="Rovnica" r:id="rId5" imgW="1587240" imgH="291960" progId="Equation.3">
+                <p:oleObj spid="_x0000_s20873" name="Rovnica" r:id="rId5" imgW="1587240" imgH="291960" progId="Equation.3">
                   <p:embed/>
                 </p:oleObj>
               </mc:Choice>
@@ -4172,7 +4198,7 @@
           <a:graphicData uri="http://schemas.openxmlformats.org/presentationml/2006/ole">
             <mc:AlternateContent xmlns:mc="http://schemas.openxmlformats.org/markup-compatibility/2006">
               <mc:Choice xmlns:v="urn:schemas-microsoft-com:vml" Requires="v">
-                <p:oleObj spid="_x0000_s20861" name="Rovnica" r:id="rId7" imgW="1269720" imgH="253800" progId="Equation.3">
+                <p:oleObj spid="_x0000_s20874" name="Rovnica" r:id="rId7" imgW="1269720" imgH="253800" progId="Equation.3">
                   <p:embed/>
                 </p:oleObj>
               </mc:Choice>
@@ -4273,7 +4299,7 @@
           <a:graphicData uri="http://schemas.openxmlformats.org/presentationml/2006/ole">
             <mc:AlternateContent xmlns:mc="http://schemas.openxmlformats.org/markup-compatibility/2006">
               <mc:Choice xmlns:v="urn:schemas-microsoft-com:vml" Requires="v">
-                <p:oleObj spid="_x0000_s20862" name="Rovnica" r:id="rId9" imgW="1206360" imgH="253800" progId="Equation.3">
+                <p:oleObj spid="_x0000_s20875" name="Rovnica" r:id="rId9" imgW="1206360" imgH="253800" progId="Equation.3">
                   <p:embed/>
                 </p:oleObj>
               </mc:Choice>
@@ -4338,7 +4364,7 @@
           <a:graphicData uri="http://schemas.openxmlformats.org/presentationml/2006/ole">
             <mc:AlternateContent xmlns:mc="http://schemas.openxmlformats.org/markup-compatibility/2006">
               <mc:Choice xmlns:v="urn:schemas-microsoft-com:vml" Requires="v">
-                <p:oleObj spid="_x0000_s20863" name="Rovnica" r:id="rId11" imgW="1600200" imgH="393480" progId="Equation.3">
+                <p:oleObj spid="_x0000_s20876" name="Rovnica" r:id="rId11" imgW="1600200" imgH="393480" progId="Equation.3">
                   <p:embed/>
                 </p:oleObj>
               </mc:Choice>
@@ -4459,7 +4485,7 @@
           <a:graphicData uri="http://schemas.openxmlformats.org/presentationml/2006/ole">
             <mc:AlternateContent xmlns:mc="http://schemas.openxmlformats.org/markup-compatibility/2006">
               <mc:Choice xmlns:v="urn:schemas-microsoft-com:vml" Requires="v">
-                <p:oleObj spid="_x0000_s20864" name="Rovnica" r:id="rId13" imgW="749160" imgH="203040" progId="Equation.3">
+                <p:oleObj spid="_x0000_s20877" name="Rovnica" r:id="rId13" imgW="749160" imgH="203040" progId="Equation.3">
                   <p:embed/>
                 </p:oleObj>
               </mc:Choice>
@@ -4552,7 +4578,7 @@
           <a:graphicData uri="http://schemas.openxmlformats.org/presentationml/2006/ole">
             <mc:AlternateContent xmlns:mc="http://schemas.openxmlformats.org/markup-compatibility/2006">
               <mc:Choice xmlns:v="urn:schemas-microsoft-com:vml" Requires="v">
-                <p:oleObj spid="_x0000_s20865" name="Rovnica" r:id="rId15" imgW="977760" imgH="203040" progId="Equation.3">
+                <p:oleObj spid="_x0000_s20878" name="Rovnica" r:id="rId15" imgW="977760" imgH="203040" progId="Equation.3">
                   <p:embed/>
                 </p:oleObj>
               </mc:Choice>
@@ -4660,7 +4686,7 @@
           <a:graphicData uri="http://schemas.openxmlformats.org/presentationml/2006/ole">
             <mc:AlternateContent xmlns:mc="http://schemas.openxmlformats.org/markup-compatibility/2006">
               <mc:Choice xmlns:v="urn:schemas-microsoft-com:vml" Requires="v">
-                <p:oleObj spid="_x0000_s20866" name="Rovnica" r:id="rId17" imgW="685800" imgH="355320" progId="Equation.3">
+                <p:oleObj spid="_x0000_s20879" name="Rovnica" r:id="rId17" imgW="685800" imgH="355320" progId="Equation.3">
                   <p:embed/>
                 </p:oleObj>
               </mc:Choice>
@@ -4783,7 +4809,7 @@
           <a:graphicData uri="http://schemas.openxmlformats.org/presentationml/2006/ole">
             <mc:AlternateContent xmlns:mc="http://schemas.openxmlformats.org/markup-compatibility/2006">
               <mc:Choice xmlns:v="urn:schemas-microsoft-com:vml" Requires="v">
-                <p:oleObj spid="_x0000_s20867" name="Rovnica" r:id="rId19" imgW="990360" imgH="203040" progId="Equation.3">
+                <p:oleObj spid="_x0000_s20880" name="Rovnica" r:id="rId19" imgW="990360" imgH="203040" progId="Equation.3">
                   <p:embed/>
                 </p:oleObj>
               </mc:Choice>
@@ -4876,7 +4902,7 @@
           <a:graphicData uri="http://schemas.openxmlformats.org/presentationml/2006/ole">
             <mc:AlternateContent xmlns:mc="http://schemas.openxmlformats.org/markup-compatibility/2006">
               <mc:Choice xmlns:v="urn:schemas-microsoft-com:vml" Requires="v">
-                <p:oleObj spid="_x0000_s20868" name="Rovnica" r:id="rId21" imgW="1028520" imgH="253800" progId="Equation.3">
+                <p:oleObj spid="_x0000_s20881" name="Rovnica" r:id="rId21" imgW="1028520" imgH="253800" progId="Equation.3">
                   <p:embed/>
                 </p:oleObj>
               </mc:Choice>
@@ -4981,7 +5007,7 @@
           <a:graphicData uri="http://schemas.openxmlformats.org/presentationml/2006/ole">
             <mc:AlternateContent xmlns:mc="http://schemas.openxmlformats.org/markup-compatibility/2006">
               <mc:Choice xmlns:v="urn:schemas-microsoft-com:vml" Requires="v">
-                <p:oleObj spid="_x0000_s20869" name="Rovnica" r:id="rId23" imgW="1625400" imgH="291960" progId="Equation.3">
+                <p:oleObj spid="_x0000_s20882" name="Rovnica" r:id="rId23" imgW="1625400" imgH="291960" progId="Equation.3">
                   <p:embed/>
                 </p:oleObj>
               </mc:Choice>
@@ -5045,7 +5071,7 @@
           <a:graphicData uri="http://schemas.openxmlformats.org/presentationml/2006/ole">
             <mc:AlternateContent xmlns:mc="http://schemas.openxmlformats.org/markup-compatibility/2006">
               <mc:Choice xmlns:v="urn:schemas-microsoft-com:vml" Requires="v">
-                <p:oleObj spid="_x0000_s20870" name="Rovnica" r:id="rId25" imgW="1726920" imgH="266400" progId="Equation.3">
+                <p:oleObj spid="_x0000_s20883" name="Rovnica" r:id="rId25" imgW="1726920" imgH="266400" progId="Equation.3">
                   <p:embed/>
                 </p:oleObj>
               </mc:Choice>
@@ -5110,7 +5136,7 @@
           <a:graphicData uri="http://schemas.openxmlformats.org/presentationml/2006/ole">
             <mc:AlternateContent xmlns:mc="http://schemas.openxmlformats.org/markup-compatibility/2006">
               <mc:Choice xmlns:v="urn:schemas-microsoft-com:vml" Requires="v">
-                <p:oleObj spid="_x0000_s20871" name="Rovnica" r:id="rId27" imgW="3340080" imgH="457200" progId="Equation.3">
+                <p:oleObj spid="_x0000_s20884" name="Rovnica" r:id="rId27" imgW="3340080" imgH="457200" progId="Equation.3">
                   <p:embed/>
                 </p:oleObj>
               </mc:Choice>
@@ -6185,7 +6211,7 @@
           <p:cNvPr id="2" name="Picture 2">
             <a:extLst>
               <a:ext uri="{FF2B5EF4-FFF2-40B4-BE49-F238E27FC236}">
-                <a16:creationId xmlns="" xmlns:a16="http://schemas.microsoft.com/office/drawing/2014/main" id="{EFCCAC95-94F6-48C2-B4D4-4EA896C9C040}"/>
+                <a16:creationId xmlns:a16="http://schemas.microsoft.com/office/drawing/2014/main" xmlns="" id="{EFCCAC95-94F6-48C2-B4D4-4EA896C9C040}"/>
               </a:ext>
             </a:extLst>
           </p:cNvPr>
@@ -6245,7 +6271,7 @@
           <p:cNvPr id="3" name="BlokTextu 2">
             <a:extLst>
               <a:ext uri="{FF2B5EF4-FFF2-40B4-BE49-F238E27FC236}">
-                <a16:creationId xmlns="" xmlns:a16="http://schemas.microsoft.com/office/drawing/2014/main" id="{1ED81907-C46F-4A2A-96C0-9CF6283E193A}"/>
+                <a16:creationId xmlns:a16="http://schemas.microsoft.com/office/drawing/2014/main" xmlns="" id="{1ED81907-C46F-4A2A-96C0-9CF6283E193A}"/>
               </a:ext>
             </a:extLst>
           </p:cNvPr>
@@ -6283,7 +6309,7 @@
           <p:cNvPr id="4" name="Tabuľka 3">
             <a:extLst>
               <a:ext uri="{FF2B5EF4-FFF2-40B4-BE49-F238E27FC236}">
-                <a16:creationId xmlns="" xmlns:a16="http://schemas.microsoft.com/office/drawing/2014/main" id="{978D997B-421C-4FFE-8784-C9BFC24932D8}"/>
+                <a16:creationId xmlns:a16="http://schemas.microsoft.com/office/drawing/2014/main" xmlns="" id="{978D997B-421C-4FFE-8784-C9BFC24932D8}"/>
               </a:ext>
             </a:extLst>
           </p:cNvPr>
@@ -6312,7 +6338,7 @@
                 <a:gridCol w="1857003">
                   <a:extLst>
                     <a:ext uri="{9D8B030D-6E8A-4147-A177-3AD203B41FA5}">
-                      <a16:colId xmlns="" xmlns:a16="http://schemas.microsoft.com/office/drawing/2014/main" val="20000"/>
+                      <a16:colId xmlns:a16="http://schemas.microsoft.com/office/drawing/2014/main" xmlns="" val="20000"/>
                     </a:ext>
                   </a:extLst>
                 </a:gridCol>
@@ -6474,7 +6500,7 @@
                 </a:tc>
                 <a:extLst>
                   <a:ext uri="{0D108BD9-81ED-4DB2-BD59-A6C34878D82A}">
-                    <a16:rowId xmlns="" xmlns:a16="http://schemas.microsoft.com/office/drawing/2014/main" val="10000"/>
+                    <a16:rowId xmlns:a16="http://schemas.microsoft.com/office/drawing/2014/main" xmlns="" val="10000"/>
                   </a:ext>
                 </a:extLst>
               </a:tr>
@@ -6534,7 +6560,7 @@
           <a:graphicData uri="http://schemas.openxmlformats.org/presentationml/2006/ole">
             <mc:AlternateContent xmlns:mc="http://schemas.openxmlformats.org/markup-compatibility/2006">
               <mc:Choice xmlns:v="urn:schemas-microsoft-com:vml" Requires="v">
-                <p:oleObj spid="_x0000_s1065" name="Rovnica" r:id="rId3" imgW="3187700" imgH="901700" progId="Equation.3">
+                <p:oleObj spid="_x0000_s1066" name="Rovnica" r:id="rId3" imgW="3187700" imgH="901700" progId="Equation.3">
                   <p:embed/>
                 </p:oleObj>
               </mc:Choice>
@@ -6648,7 +6674,7 @@
           <p:cNvPr id="5" name="BlokTextu 4">
             <a:extLst>
               <a:ext uri="{FF2B5EF4-FFF2-40B4-BE49-F238E27FC236}">
-                <a16:creationId xmlns="" xmlns:a16="http://schemas.microsoft.com/office/drawing/2014/main" id="{4EB458E5-3692-469E-93E6-5CAF711949B1}"/>
+                <a16:creationId xmlns:a16="http://schemas.microsoft.com/office/drawing/2014/main" xmlns="" id="{4EB458E5-3692-469E-93E6-5CAF711949B1}"/>
               </a:ext>
             </a:extLst>
           </p:cNvPr>
@@ -6843,7 +6869,7 @@
           <a:graphicData uri="http://schemas.openxmlformats.org/presentationml/2006/ole">
             <mc:AlternateContent xmlns:mc="http://schemas.openxmlformats.org/markup-compatibility/2006">
               <mc:Choice xmlns:v="urn:schemas-microsoft-com:vml" Requires="v">
-                <p:oleObj spid="_x0000_s2329" name="Rovnica" r:id="rId4" imgW="2197080" imgH="685800" progId="Equation.3">
+                <p:oleObj spid="_x0000_s2334" name="Rovnica" r:id="rId4" imgW="2197080" imgH="685800" progId="Equation.3">
                   <p:embed/>
                 </p:oleObj>
               </mc:Choice>
@@ -6926,7 +6952,7 @@
           <a:graphicData uri="http://schemas.openxmlformats.org/presentationml/2006/ole">
             <mc:AlternateContent xmlns:mc="http://schemas.openxmlformats.org/markup-compatibility/2006">
               <mc:Choice xmlns:v="urn:schemas-microsoft-com:vml" Requires="v">
-                <p:oleObj spid="_x0000_s2330" name="Rovnica" r:id="rId6" imgW="888840" imgH="609480" progId="Equation.3">
+                <p:oleObj spid="_x0000_s2335" name="Rovnica" r:id="rId6" imgW="888840" imgH="609480" progId="Equation.3">
                   <p:embed/>
                 </p:oleObj>
               </mc:Choice>
@@ -7009,7 +7035,7 @@
           <a:graphicData uri="http://schemas.openxmlformats.org/presentationml/2006/ole">
             <mc:AlternateContent xmlns:mc="http://schemas.openxmlformats.org/markup-compatibility/2006">
               <mc:Choice xmlns:v="urn:schemas-microsoft-com:vml" Requires="v">
-                <p:oleObj spid="_x0000_s2331" name="Rovnica" r:id="rId8" imgW="3593880" imgH="711000" progId="Equation.3">
+                <p:oleObj spid="_x0000_s2336" name="Rovnica" r:id="rId8" imgW="3593880" imgH="711000" progId="Equation.3">
                   <p:embed/>
                 </p:oleObj>
               </mc:Choice>
@@ -7706,7 +7732,7 @@
           <a:graphicData uri="http://schemas.openxmlformats.org/presentationml/2006/ole">
             <mc:AlternateContent xmlns:mc="http://schemas.openxmlformats.org/markup-compatibility/2006">
               <mc:Choice xmlns:v="urn:schemas-microsoft-com:vml" Requires="v">
-                <p:oleObj spid="_x0000_s2332" name="Rovnica" r:id="rId10" imgW="2971800" imgH="368280" progId="Equation.3">
+                <p:oleObj spid="_x0000_s2337" name="Rovnica" r:id="rId10" imgW="2971800" imgH="368280" progId="Equation.3">
                   <p:embed/>
                 </p:oleObj>
               </mc:Choice>
@@ -7789,7 +7815,7 @@
           <a:graphicData uri="http://schemas.openxmlformats.org/presentationml/2006/ole">
             <mc:AlternateContent xmlns:mc="http://schemas.openxmlformats.org/markup-compatibility/2006">
               <mc:Choice xmlns:v="urn:schemas-microsoft-com:vml" Requires="v">
-                <p:oleObj spid="_x0000_s2333" name="Rovnica" r:id="rId12" imgW="1790640" imgH="711000" progId="Equation.3">
+                <p:oleObj spid="_x0000_s2338" name="Rovnica" r:id="rId12" imgW="1790640" imgH="711000" progId="Equation.3">
                   <p:embed/>
                 </p:oleObj>
               </mc:Choice>
@@ -8281,7 +8307,7 @@
           <a:graphicData uri="http://schemas.openxmlformats.org/presentationml/2006/ole">
             <mc:AlternateContent xmlns:mc="http://schemas.openxmlformats.org/markup-compatibility/2006">
               <mc:Choice xmlns:v="urn:schemas-microsoft-com:vml" Requires="v">
-                <p:oleObj spid="_x0000_s3350" name="Rovnica" r:id="rId3" imgW="1206360" imgH="711000" progId="Equation.3">
+                <p:oleObj spid="_x0000_s3356" name="Rovnica" r:id="rId3" imgW="1206360" imgH="711000" progId="Equation.3">
                   <p:embed/>
                 </p:oleObj>
               </mc:Choice>
@@ -8459,7 +8485,7 @@
           <a:graphicData uri="http://schemas.openxmlformats.org/presentationml/2006/ole">
             <mc:AlternateContent xmlns:mc="http://schemas.openxmlformats.org/markup-compatibility/2006">
               <mc:Choice xmlns:v="urn:schemas-microsoft-com:vml" Requires="v">
-                <p:oleObj spid="_x0000_s3351" name="Rovnica" r:id="rId6" imgW="2946240" imgH="711000" progId="Equation.3">
+                <p:oleObj spid="_x0000_s3357" name="Rovnica" r:id="rId6" imgW="2946240" imgH="711000" progId="Equation.3">
                   <p:embed/>
                 </p:oleObj>
               </mc:Choice>
@@ -8542,7 +8568,7 @@
           <a:graphicData uri="http://schemas.openxmlformats.org/presentationml/2006/ole">
             <mc:AlternateContent xmlns:mc="http://schemas.openxmlformats.org/markup-compatibility/2006">
               <mc:Choice xmlns:v="urn:schemas-microsoft-com:vml" Requires="v">
-                <p:oleObj spid="_x0000_s3352" name="Rovnica" r:id="rId8" imgW="3771720" imgH="863280" progId="Equation.3">
+                <p:oleObj spid="_x0000_s3358" name="Rovnica" r:id="rId8" imgW="3771720" imgH="863280" progId="Equation.3">
                   <p:embed/>
                 </p:oleObj>
               </mc:Choice>
@@ -8680,7 +8706,7 @@
           <a:graphicData uri="http://schemas.openxmlformats.org/presentationml/2006/ole">
             <mc:AlternateContent xmlns:mc="http://schemas.openxmlformats.org/markup-compatibility/2006">
               <mc:Choice xmlns:v="urn:schemas-microsoft-com:vml" Requires="v">
-                <p:oleObj spid="_x0000_s3353" name="Rovnica" r:id="rId10" imgW="2286000" imgH="749160" progId="Equation.3">
+                <p:oleObj spid="_x0000_s3359" name="Rovnica" r:id="rId10" imgW="2286000" imgH="749160" progId="Equation.3">
                   <p:embed/>
                 </p:oleObj>
               </mc:Choice>
@@ -8850,7 +8876,7 @@
           <a:graphicData uri="http://schemas.openxmlformats.org/presentationml/2006/ole">
             <mc:AlternateContent xmlns:mc="http://schemas.openxmlformats.org/markup-compatibility/2006">
               <mc:Choice xmlns:v="urn:schemas-microsoft-com:vml" Requires="v">
-                <p:oleObj spid="_x0000_s3354" name="Rovnica" r:id="rId12" imgW="215640" imgH="355320" progId="Equation.3">
+                <p:oleObj spid="_x0000_s3360" name="Rovnica" r:id="rId12" imgW="215640" imgH="355320" progId="Equation.3">
                   <p:embed/>
                 </p:oleObj>
               </mc:Choice>
@@ -9514,7 +9540,7 @@
           <a:graphicData uri="http://schemas.openxmlformats.org/presentationml/2006/ole">
             <mc:AlternateContent xmlns:mc="http://schemas.openxmlformats.org/markup-compatibility/2006">
               <mc:Choice xmlns:v="urn:schemas-microsoft-com:vml" Requires="v">
-                <p:oleObj spid="_x0000_s3355" name="Rovnica" r:id="rId14" imgW="3276360" imgH="863280" progId="Equation.3">
+                <p:oleObj spid="_x0000_s3361" name="Rovnica" r:id="rId14" imgW="3276360" imgH="863280" progId="Equation.3">
                   <p:embed/>
                 </p:oleObj>
               </mc:Choice>
@@ -10134,7 +10160,7 @@
           <p:cNvPr id="2" name="BlokTextu 1">
             <a:extLst>
               <a:ext uri="{FF2B5EF4-FFF2-40B4-BE49-F238E27FC236}">
-                <a16:creationId xmlns="" xmlns:a16="http://schemas.microsoft.com/office/drawing/2014/main" id="{7DFAC216-B999-4AB9-B92B-84E982E4B170}"/>
+                <a16:creationId xmlns:a16="http://schemas.microsoft.com/office/drawing/2014/main" xmlns="" id="{7DFAC216-B999-4AB9-B92B-84E982E4B170}"/>
               </a:ext>
             </a:extLst>
           </p:cNvPr>
@@ -11014,7 +11040,7 @@
           <p:cNvPr id="5" name="Obdĺžnik 4">
             <a:extLst>
               <a:ext uri="{FF2B5EF4-FFF2-40B4-BE49-F238E27FC236}">
-                <a16:creationId xmlns="" xmlns:a16="http://schemas.microsoft.com/office/drawing/2014/main" id="{31AC69BA-1DCB-4C44-8959-005D2B89CA31}"/>
+                <a16:creationId xmlns:a16="http://schemas.microsoft.com/office/drawing/2014/main" xmlns="" id="{31AC69BA-1DCB-4C44-8959-005D2B89CA31}"/>
               </a:ext>
             </a:extLst>
           </p:cNvPr>
@@ -11048,7 +11074,7 @@
           <p:cNvPr id="7" name="Obdĺžnik 6">
             <a:extLst>
               <a:ext uri="{FF2B5EF4-FFF2-40B4-BE49-F238E27FC236}">
-                <a16:creationId xmlns="" xmlns:a16="http://schemas.microsoft.com/office/drawing/2014/main" id="{6BC9CBB8-645B-422C-BDE4-7C949FF432DE}"/>
+                <a16:creationId xmlns:a16="http://schemas.microsoft.com/office/drawing/2014/main" xmlns="" id="{6BC9CBB8-645B-422C-BDE4-7C949FF432DE}"/>
               </a:ext>
             </a:extLst>
           </p:cNvPr>
@@ -11348,7 +11374,7 @@
           <p:cNvPr id="2" name="BlokTextu 1">
             <a:extLst>
               <a:ext uri="{FF2B5EF4-FFF2-40B4-BE49-F238E27FC236}">
-                <a16:creationId xmlns="" xmlns:a16="http://schemas.microsoft.com/office/drawing/2014/main" id="{9B9F713D-9BAD-4B9F-ADE6-89DC11C1BA3D}"/>
+                <a16:creationId xmlns:a16="http://schemas.microsoft.com/office/drawing/2014/main" xmlns="" id="{9B9F713D-9BAD-4B9F-ADE6-89DC11C1BA3D}"/>
               </a:ext>
             </a:extLst>
           </p:cNvPr>
@@ -11387,7 +11413,7 @@
           <p:cNvPr id="3" name="Obdĺžnik 2">
             <a:extLst>
               <a:ext uri="{FF2B5EF4-FFF2-40B4-BE49-F238E27FC236}">
-                <a16:creationId xmlns="" xmlns:a16="http://schemas.microsoft.com/office/drawing/2014/main" id="{BD001B49-9E54-4D73-94B9-CA101F2F5029}"/>
+                <a16:creationId xmlns:a16="http://schemas.microsoft.com/office/drawing/2014/main" xmlns="" id="{BD001B49-9E54-4D73-94B9-CA101F2F5029}"/>
               </a:ext>
             </a:extLst>
           </p:cNvPr>
@@ -11437,7 +11463,7 @@
           <p:cNvPr id="4" name="Obdĺžnik 3">
             <a:extLst>
               <a:ext uri="{FF2B5EF4-FFF2-40B4-BE49-F238E27FC236}">
-                <a16:creationId xmlns="" xmlns:a16="http://schemas.microsoft.com/office/drawing/2014/main" id="{1958D28D-B691-43A2-9E35-615308E05942}"/>
+                <a16:creationId xmlns:a16="http://schemas.microsoft.com/office/drawing/2014/main" xmlns="" id="{1958D28D-B691-43A2-9E35-615308E05942}"/>
               </a:ext>
             </a:extLst>
           </p:cNvPr>
@@ -11551,7 +11577,7 @@
           <p:cNvPr id="5" name="Obdĺžnik 4">
             <a:extLst>
               <a:ext uri="{FF2B5EF4-FFF2-40B4-BE49-F238E27FC236}">
-                <a16:creationId xmlns="" xmlns:a16="http://schemas.microsoft.com/office/drawing/2014/main" id="{D780F8BB-CBF9-4125-B6DA-F7E04D311BF3}"/>
+                <a16:creationId xmlns:a16="http://schemas.microsoft.com/office/drawing/2014/main" xmlns="" id="{D780F8BB-CBF9-4125-B6DA-F7E04D311BF3}"/>
               </a:ext>
             </a:extLst>
           </p:cNvPr>
@@ -11793,7 +11819,7 @@
           <p:cNvPr id="2" name="BlokTextu 1">
             <a:extLst>
               <a:ext uri="{FF2B5EF4-FFF2-40B4-BE49-F238E27FC236}">
-                <a16:creationId xmlns="" xmlns:a16="http://schemas.microsoft.com/office/drawing/2014/main" id="{58064488-3FFA-4504-94E7-33470DDDBC82}"/>
+                <a16:creationId xmlns:a16="http://schemas.microsoft.com/office/drawing/2014/main" xmlns="" id="{58064488-3FFA-4504-94E7-33470DDDBC82}"/>
               </a:ext>
             </a:extLst>
           </p:cNvPr>
@@ -11866,7 +11892,7 @@
           <p:cNvPr id="3" name="BlokTextu 2">
             <a:extLst>
               <a:ext uri="{FF2B5EF4-FFF2-40B4-BE49-F238E27FC236}">
-                <a16:creationId xmlns="" xmlns:a16="http://schemas.microsoft.com/office/drawing/2014/main" id="{54A75F8C-9766-4E34-8B76-8B57CD75EECA}"/>
+                <a16:creationId xmlns:a16="http://schemas.microsoft.com/office/drawing/2014/main" xmlns="" id="{54A75F8C-9766-4E34-8B76-8B57CD75EECA}"/>
               </a:ext>
             </a:extLst>
           </p:cNvPr>
@@ -11905,7 +11931,7 @@
           <p:cNvPr id="4" name="Obrázok 3" descr="http://www.allaboutlean.com/wp-content/uploads/2015/11/Industry-4.0.png">
             <a:extLst>
               <a:ext uri="{FF2B5EF4-FFF2-40B4-BE49-F238E27FC236}">
-                <a16:creationId xmlns="" xmlns:a16="http://schemas.microsoft.com/office/drawing/2014/main" id="{1A29DF16-AFF0-4A7E-B41E-775AED304AD2}"/>
+                <a16:creationId xmlns:a16="http://schemas.microsoft.com/office/drawing/2014/main" xmlns="" id="{1A29DF16-AFF0-4A7E-B41E-775AED304AD2}"/>
               </a:ext>
             </a:extLst>
           </p:cNvPr>
@@ -11944,7 +11970,7 @@
           <p:cNvPr id="5" name="Obdĺžnik 4">
             <a:extLst>
               <a:ext uri="{FF2B5EF4-FFF2-40B4-BE49-F238E27FC236}">
-                <a16:creationId xmlns="" xmlns:a16="http://schemas.microsoft.com/office/drawing/2014/main" id="{C35E9A8E-FED0-484A-BB17-25A0AA9E8180}"/>
+                <a16:creationId xmlns:a16="http://schemas.microsoft.com/office/drawing/2014/main" xmlns="" id="{C35E9A8E-FED0-484A-BB17-25A0AA9E8180}"/>
               </a:ext>
             </a:extLst>
           </p:cNvPr>
@@ -12375,7 +12401,7 @@
           <p:cNvPr id="4" name="BlokTextu 3">
             <a:extLst>
               <a:ext uri="{FF2B5EF4-FFF2-40B4-BE49-F238E27FC236}">
-                <a16:creationId xmlns="" xmlns:a16="http://schemas.microsoft.com/office/drawing/2014/main" id="{D8FD8FB0-0EAC-41BD-A271-F16A5B67B503}"/>
+                <a16:creationId xmlns:a16="http://schemas.microsoft.com/office/drawing/2014/main" xmlns="" id="{D8FD8FB0-0EAC-41BD-A271-F16A5B67B503}"/>
               </a:ext>
             </a:extLst>
           </p:cNvPr>
@@ -12481,7 +12507,7 @@
           <p:cNvPr id="2" name="BlokTextu 1">
             <a:extLst>
               <a:ext uri="{FF2B5EF4-FFF2-40B4-BE49-F238E27FC236}">
-                <a16:creationId xmlns="" xmlns:a16="http://schemas.microsoft.com/office/drawing/2014/main" id="{9F955E19-2B57-4076-BD77-CAE64A1F4291}"/>
+                <a16:creationId xmlns:a16="http://schemas.microsoft.com/office/drawing/2014/main" xmlns="" id="{9F955E19-2B57-4076-BD77-CAE64A1F4291}"/>
               </a:ext>
             </a:extLst>
           </p:cNvPr>
@@ -12520,7 +12546,7 @@
           <p:cNvPr id="3" name="BlokTextu 2">
             <a:extLst>
               <a:ext uri="{FF2B5EF4-FFF2-40B4-BE49-F238E27FC236}">
-                <a16:creationId xmlns="" xmlns:a16="http://schemas.microsoft.com/office/drawing/2014/main" id="{9187CA35-6704-43EB-AA1C-0EA3D97D8E03}"/>
+                <a16:creationId xmlns:a16="http://schemas.microsoft.com/office/drawing/2014/main" xmlns="" id="{9187CA35-6704-43EB-AA1C-0EA3D97D8E03}"/>
               </a:ext>
             </a:extLst>
           </p:cNvPr>
@@ -12600,7 +12626,7 @@
           <p:cNvPr id="2" name="BlokTextu 1">
             <a:extLst>
               <a:ext uri="{FF2B5EF4-FFF2-40B4-BE49-F238E27FC236}">
-                <a16:creationId xmlns="" xmlns:a16="http://schemas.microsoft.com/office/drawing/2014/main" id="{05AAA59F-767F-4429-AFF0-FE6D1A8940A7}"/>
+                <a16:creationId xmlns:a16="http://schemas.microsoft.com/office/drawing/2014/main" xmlns="" id="{05AAA59F-767F-4429-AFF0-FE6D1A8940A7}"/>
               </a:ext>
             </a:extLst>
           </p:cNvPr>
@@ -12665,7 +12691,7 @@
           <p:cNvPr id="2" name="BlokTextu 1">
             <a:extLst>
               <a:ext uri="{FF2B5EF4-FFF2-40B4-BE49-F238E27FC236}">
-                <a16:creationId xmlns="" xmlns:a16="http://schemas.microsoft.com/office/drawing/2014/main" id="{451BD246-884C-46E5-B296-EC1C8D199219}"/>
+                <a16:creationId xmlns:a16="http://schemas.microsoft.com/office/drawing/2014/main" xmlns="" id="{451BD246-884C-46E5-B296-EC1C8D199219}"/>
               </a:ext>
             </a:extLst>
           </p:cNvPr>
@@ -12724,7 +12750,7 @@
           <p:cNvPr id="3" name="BlokTextu 2">
             <a:extLst>
               <a:ext uri="{FF2B5EF4-FFF2-40B4-BE49-F238E27FC236}">
-                <a16:creationId xmlns="" xmlns:a16="http://schemas.microsoft.com/office/drawing/2014/main" id="{7C727D70-2288-4917-AA33-2D0EAC7D5343}"/>
+                <a16:creationId xmlns:a16="http://schemas.microsoft.com/office/drawing/2014/main" xmlns="" id="{7C727D70-2288-4917-AA33-2D0EAC7D5343}"/>
               </a:ext>
             </a:extLst>
           </p:cNvPr>
@@ -12796,7 +12822,7 @@
           <p:cNvPr id="4" name="Rectangle 19">
             <a:extLst>
               <a:ext uri="{FF2B5EF4-FFF2-40B4-BE49-F238E27FC236}">
-                <a16:creationId xmlns="" xmlns:a16="http://schemas.microsoft.com/office/drawing/2014/main" id="{E7255E80-DF4B-4BF7-8134-F9E3EFE78063}"/>
+                <a16:creationId xmlns:a16="http://schemas.microsoft.com/office/drawing/2014/main" xmlns="" id="{E7255E80-DF4B-4BF7-8134-F9E3EFE78063}"/>
               </a:ext>
             </a:extLst>
           </p:cNvPr>
@@ -12891,7 +12917,7 @@
           <p:cNvPr id="5" name="Rectangle 20">
             <a:extLst>
               <a:ext uri="{FF2B5EF4-FFF2-40B4-BE49-F238E27FC236}">
-                <a16:creationId xmlns="" xmlns:a16="http://schemas.microsoft.com/office/drawing/2014/main" id="{DB2ED04F-8F76-4367-B454-5BD107246FBC}"/>
+                <a16:creationId xmlns:a16="http://schemas.microsoft.com/office/drawing/2014/main" xmlns="" id="{DB2ED04F-8F76-4367-B454-5BD107246FBC}"/>
               </a:ext>
             </a:extLst>
           </p:cNvPr>
@@ -12949,7 +12975,7 @@
           <p:cNvPr id="6" name="Rectangle 21">
             <a:extLst>
               <a:ext uri="{FF2B5EF4-FFF2-40B4-BE49-F238E27FC236}">
-                <a16:creationId xmlns="" xmlns:a16="http://schemas.microsoft.com/office/drawing/2014/main" id="{1FA97FE6-0E11-48CA-842C-5E14C7BC1095}"/>
+                <a16:creationId xmlns:a16="http://schemas.microsoft.com/office/drawing/2014/main" xmlns="" id="{1FA97FE6-0E11-48CA-842C-5E14C7BC1095}"/>
               </a:ext>
             </a:extLst>
           </p:cNvPr>
@@ -13018,7 +13044,7 @@
           <p:cNvPr id="7" name="Rectangle 25">
             <a:extLst>
               <a:ext uri="{FF2B5EF4-FFF2-40B4-BE49-F238E27FC236}">
-                <a16:creationId xmlns="" xmlns:a16="http://schemas.microsoft.com/office/drawing/2014/main" id="{30953ABB-CF66-4815-924A-9F744347F530}"/>
+                <a16:creationId xmlns:a16="http://schemas.microsoft.com/office/drawing/2014/main" xmlns="" id="{30953ABB-CF66-4815-924A-9F744347F530}"/>
               </a:ext>
             </a:extLst>
           </p:cNvPr>
@@ -13113,7 +13139,7 @@
           <p:cNvPr id="8" name="Rectangle 27">
             <a:extLst>
               <a:ext uri="{FF2B5EF4-FFF2-40B4-BE49-F238E27FC236}">
-                <a16:creationId xmlns="" xmlns:a16="http://schemas.microsoft.com/office/drawing/2014/main" id="{62493720-1D0C-4B74-BC35-9CD3ADD632EC}"/>
+                <a16:creationId xmlns:a16="http://schemas.microsoft.com/office/drawing/2014/main" xmlns="" id="{62493720-1D0C-4B74-BC35-9CD3ADD632EC}"/>
               </a:ext>
             </a:extLst>
           </p:cNvPr>
@@ -13182,7 +13208,7 @@
           <p:cNvPr id="9" name="Rectangle 29">
             <a:extLst>
               <a:ext uri="{FF2B5EF4-FFF2-40B4-BE49-F238E27FC236}">
-                <a16:creationId xmlns="" xmlns:a16="http://schemas.microsoft.com/office/drawing/2014/main" id="{EED34730-C45B-4D0C-8A50-99DB0B519021}"/>
+                <a16:creationId xmlns:a16="http://schemas.microsoft.com/office/drawing/2014/main" xmlns="" id="{EED34730-C45B-4D0C-8A50-99DB0B519021}"/>
               </a:ext>
             </a:extLst>
           </p:cNvPr>
@@ -13251,7 +13277,7 @@
           <p:cNvPr id="10" name="Objekt 9">
             <a:extLst>
               <a:ext uri="{FF2B5EF4-FFF2-40B4-BE49-F238E27FC236}">
-                <a16:creationId xmlns="" xmlns:a16="http://schemas.microsoft.com/office/drawing/2014/main" id="{5E4B1C90-B599-44E5-AFB0-8584D910D8CC}"/>
+                <a16:creationId xmlns:a16="http://schemas.microsoft.com/office/drawing/2014/main" xmlns="" id="{5E4B1C90-B599-44E5-AFB0-8584D910D8CC}"/>
               </a:ext>
             </a:extLst>
           </p:cNvPr>
@@ -13274,7 +13300,7 @@
           <a:graphicData uri="http://schemas.openxmlformats.org/presentationml/2006/ole">
             <mc:AlternateContent xmlns:mc="http://schemas.openxmlformats.org/markup-compatibility/2006">
               <mc:Choice xmlns:v="urn:schemas-microsoft-com:vml" Requires="v">
-                <p:oleObj spid="_x0000_s18558" name="Rovnica" r:id="rId3" imgW="3098520" imgH="749160" progId="Equation.3">
+                <p:oleObj spid="_x0000_s18562" name="Rovnica" r:id="rId3" imgW="3098520" imgH="749160" progId="Equation.3">
                   <p:embed/>
                 </p:oleObj>
               </mc:Choice>
@@ -13327,7 +13353,7 @@
           <p:cNvPr id="11" name="Objekt 10">
             <a:extLst>
               <a:ext uri="{FF2B5EF4-FFF2-40B4-BE49-F238E27FC236}">
-                <a16:creationId xmlns="" xmlns:a16="http://schemas.microsoft.com/office/drawing/2014/main" id="{480D4539-9EE1-4F51-A84F-C1CA2F741966}"/>
+                <a16:creationId xmlns:a16="http://schemas.microsoft.com/office/drawing/2014/main" xmlns="" id="{480D4539-9EE1-4F51-A84F-C1CA2F741966}"/>
               </a:ext>
             </a:extLst>
           </p:cNvPr>
@@ -13350,7 +13376,7 @@
           <a:graphicData uri="http://schemas.openxmlformats.org/presentationml/2006/ole">
             <mc:AlternateContent xmlns:mc="http://schemas.openxmlformats.org/markup-compatibility/2006">
               <mc:Choice xmlns:v="urn:schemas-microsoft-com:vml" Requires="v">
-                <p:oleObj spid="_x0000_s18559" name="Rovnica" r:id="rId5" imgW="3619440" imgH="1218960" progId="Equation.3">
+                <p:oleObj spid="_x0000_s18563" name="Rovnica" r:id="rId5" imgW="3619440" imgH="1218960" progId="Equation.3">
                   <p:embed/>
                 </p:oleObj>
               </mc:Choice>
@@ -13422,7 +13448,7 @@
           <p:cNvPr id="12" name="Picture 34" descr="http://fyzikapg.webzdarma.cz/index_htm_files/540.jpg">
             <a:extLst>
               <a:ext uri="{FF2B5EF4-FFF2-40B4-BE49-F238E27FC236}">
-                <a16:creationId xmlns="" xmlns:a16="http://schemas.microsoft.com/office/drawing/2014/main" id="{C1A1C2B7-BC23-4F67-B8C1-011129300777}"/>
+                <a16:creationId xmlns:a16="http://schemas.microsoft.com/office/drawing/2014/main" xmlns="" id="{C1A1C2B7-BC23-4F67-B8C1-011129300777}"/>
               </a:ext>
             </a:extLst>
           </p:cNvPr>
@@ -13469,7 +13495,7 @@
           <p:cNvPr id="13" name="BlokTextu 12">
             <a:extLst>
               <a:ext uri="{FF2B5EF4-FFF2-40B4-BE49-F238E27FC236}">
-                <a16:creationId xmlns="" xmlns:a16="http://schemas.microsoft.com/office/drawing/2014/main" id="{3514DA76-15BD-4768-8326-DA660BC5314D}"/>
+                <a16:creationId xmlns:a16="http://schemas.microsoft.com/office/drawing/2014/main" xmlns="" id="{3514DA76-15BD-4768-8326-DA660BC5314D}"/>
               </a:ext>
             </a:extLst>
           </p:cNvPr>
@@ -13504,7 +13530,7 @@
           <p:cNvPr id="14" name="Objekt 13">
             <a:extLst>
               <a:ext uri="{FF2B5EF4-FFF2-40B4-BE49-F238E27FC236}">
-                <a16:creationId xmlns="" xmlns:a16="http://schemas.microsoft.com/office/drawing/2014/main" id="{7E25B26D-BA40-4304-A8E0-4413B811D3A5}"/>
+                <a16:creationId xmlns:a16="http://schemas.microsoft.com/office/drawing/2014/main" xmlns="" id="{7E25B26D-BA40-4304-A8E0-4413B811D3A5}"/>
               </a:ext>
             </a:extLst>
           </p:cNvPr>
@@ -13527,7 +13553,7 @@
           <a:graphicData uri="http://schemas.openxmlformats.org/presentationml/2006/ole">
             <mc:AlternateContent xmlns:mc="http://schemas.openxmlformats.org/markup-compatibility/2006">
               <mc:Choice xmlns:v="urn:schemas-microsoft-com:vml" Requires="v">
-                <p:oleObj spid="_x0000_s18560" name="Rovnica" r:id="rId8" imgW="3441600" imgH="749160" progId="Equation.3">
+                <p:oleObj spid="_x0000_s18564" name="Rovnica" r:id="rId8" imgW="3441600" imgH="749160" progId="Equation.3">
                   <p:embed/>
                 </p:oleObj>
               </mc:Choice>
@@ -13599,7 +13625,7 @@
           <p:cNvPr id="15" name="Objekt 14">
             <a:extLst>
               <a:ext uri="{FF2B5EF4-FFF2-40B4-BE49-F238E27FC236}">
-                <a16:creationId xmlns="" xmlns:a16="http://schemas.microsoft.com/office/drawing/2014/main" id="{017F67E5-0143-4FDB-B9BC-0B7E407E8829}"/>
+                <a16:creationId xmlns:a16="http://schemas.microsoft.com/office/drawing/2014/main" xmlns="" id="{017F67E5-0143-4FDB-B9BC-0B7E407E8829}"/>
               </a:ext>
             </a:extLst>
           </p:cNvPr>
@@ -13622,7 +13648,7 @@
           <a:graphicData uri="http://schemas.openxmlformats.org/presentationml/2006/ole">
             <mc:AlternateContent xmlns:mc="http://schemas.openxmlformats.org/markup-compatibility/2006">
               <mc:Choice xmlns:v="urn:schemas-microsoft-com:vml" Requires="v">
-                <p:oleObj spid="_x0000_s18561" name="Rovnica" r:id="rId10" imgW="4736880" imgH="685800" progId="Equation.3">
+                <p:oleObj spid="_x0000_s18565" name="Rovnica" r:id="rId10" imgW="4736880" imgH="685800" progId="Equation.3">
                   <p:embed/>
                 </p:oleObj>
               </mc:Choice>
@@ -13676,7 +13702,7 @@
           <p:cNvPr id="16" name="Picture 61">
             <a:extLst>
               <a:ext uri="{FF2B5EF4-FFF2-40B4-BE49-F238E27FC236}">
-                <a16:creationId xmlns="" xmlns:a16="http://schemas.microsoft.com/office/drawing/2014/main" id="{AD190179-5D60-499E-92C4-1ECCA47AE5F9}"/>
+                <a16:creationId xmlns:a16="http://schemas.microsoft.com/office/drawing/2014/main" xmlns="" id="{AD190179-5D60-499E-92C4-1ECCA47AE5F9}"/>
               </a:ext>
             </a:extLst>
           </p:cNvPr>
